--- a/coursework submission/poster.pptx
+++ b/coursework submission/poster.pptx
@@ -5,11 +5,10 @@
     <p:sldMasterId id="2147483672" r:id="rId1"/>
   </p:sldMasterIdLst>
   <p:notesMasterIdLst>
-    <p:notesMasterId r:id="rId4"/>
+    <p:notesMasterId r:id="rId3"/>
   </p:notesMasterIdLst>
   <p:sldIdLst>
     <p:sldId id="258" r:id="rId2"/>
-    <p:sldId id="257" r:id="rId3"/>
   </p:sldIdLst>
   <p:sldSz cx="11915775" cy="8423275"/>
   <p:notesSz cx="6858000" cy="9144000"/>
@@ -3440,126 +3439,6 @@
     <p:extLst>
       <p:ext uri="{BB962C8B-B14F-4D97-AF65-F5344CB8AC3E}">
         <p14:creationId xmlns:p14="http://schemas.microsoft.com/office/powerpoint/2010/main" val="623410512"/>
-      </p:ext>
-    </p:extLst>
-  </p:cSld>
-  <p:clrMapOvr>
-    <a:masterClrMapping/>
-  </p:clrMapOvr>
-</p:sld>
-</file>
-
-<file path=ppt/slides/slide2.xml><?xml version="1.0" encoding="utf-8"?>
-<p:sld xmlns:a="http://schemas.openxmlformats.org/drawingml/2006/main" xmlns:r="http://schemas.openxmlformats.org/officeDocument/2006/relationships" xmlns:p="http://schemas.openxmlformats.org/presentationml/2006/main">
-  <p:cSld>
-    <p:spTree>
-      <p:nvGrpSpPr>
-        <p:cNvPr id="1" name=""/>
-        <p:cNvGrpSpPr/>
-        <p:nvPr/>
-      </p:nvGrpSpPr>
-      <p:grpSpPr>
-        <a:xfrm>
-          <a:off x="0" y="0"/>
-          <a:ext cx="0" cy="0"/>
-          <a:chOff x="0" y="0"/>
-          <a:chExt cx="0" cy="0"/>
-        </a:xfrm>
-      </p:grpSpPr>
-      <p:pic>
-        <p:nvPicPr>
-          <p:cNvPr id="13" name="Picture 12">
-            <a:extLst>
-              <a:ext uri="{FF2B5EF4-FFF2-40B4-BE49-F238E27FC236}">
-                <a16:creationId xmlns:a16="http://schemas.microsoft.com/office/drawing/2014/main" id="{78DA60A3-A1F0-92F6-5531-E1EC6BB9B6DF}"/>
-              </a:ext>
-            </a:extLst>
-          </p:cNvPr>
-          <p:cNvPicPr>
-            <a:picLocks noChangeAspect="1"/>
-          </p:cNvPicPr>
-          <p:nvPr/>
-        </p:nvPicPr>
-        <p:blipFill>
-          <a:blip r:embed="rId2"/>
-          <a:stretch>
-            <a:fillRect/>
-          </a:stretch>
-        </p:blipFill>
-        <p:spPr>
-          <a:xfrm>
-            <a:off x="3315643" y="-171475"/>
-            <a:ext cx="5932074" cy="2741386"/>
-          </a:xfrm>
-          <a:prstGeom prst="rect">
-            <a:avLst/>
-          </a:prstGeom>
-        </p:spPr>
-      </p:pic>
-      <p:pic>
-        <p:nvPicPr>
-          <p:cNvPr id="15" name="Picture 14">
-            <a:extLst>
-              <a:ext uri="{FF2B5EF4-FFF2-40B4-BE49-F238E27FC236}">
-                <a16:creationId xmlns:a16="http://schemas.microsoft.com/office/drawing/2014/main" id="{C462F1B1-FBF7-6E42-000E-D12F68287C15}"/>
-              </a:ext>
-            </a:extLst>
-          </p:cNvPr>
-          <p:cNvPicPr>
-            <a:picLocks noChangeAspect="1"/>
-          </p:cNvPicPr>
-          <p:nvPr/>
-        </p:nvPicPr>
-        <p:blipFill>
-          <a:blip r:embed="rId3"/>
-          <a:stretch>
-            <a:fillRect/>
-          </a:stretch>
-        </p:blipFill>
-        <p:spPr>
-          <a:xfrm>
-            <a:off x="1729423" y="5989032"/>
-            <a:ext cx="5580752" cy="2698733"/>
-          </a:xfrm>
-          <a:prstGeom prst="rect">
-            <a:avLst/>
-          </a:prstGeom>
-        </p:spPr>
-      </p:pic>
-      <p:pic>
-        <p:nvPicPr>
-          <p:cNvPr id="17" name="Picture 16">
-            <a:extLst>
-              <a:ext uri="{FF2B5EF4-FFF2-40B4-BE49-F238E27FC236}">
-                <a16:creationId xmlns:a16="http://schemas.microsoft.com/office/drawing/2014/main" id="{95FAE16D-C4A9-5906-FC73-E797DC087523}"/>
-              </a:ext>
-            </a:extLst>
-          </p:cNvPr>
-          <p:cNvPicPr>
-            <a:picLocks noChangeAspect="1"/>
-          </p:cNvPicPr>
-          <p:nvPr/>
-        </p:nvPicPr>
-        <p:blipFill>
-          <a:blip r:embed="rId4"/>
-          <a:stretch>
-            <a:fillRect/>
-          </a:stretch>
-        </p:blipFill>
-        <p:spPr>
-          <a:xfrm>
-            <a:off x="3671304" y="3397821"/>
-            <a:ext cx="5361272" cy="2175457"/>
-          </a:xfrm>
-          <a:prstGeom prst="rect">
-            <a:avLst/>
-          </a:prstGeom>
-        </p:spPr>
-      </p:pic>
-    </p:spTree>
-    <p:extLst>
-      <p:ext uri="{BB962C8B-B14F-4D97-AF65-F5344CB8AC3E}">
-        <p14:creationId xmlns:p14="http://schemas.microsoft.com/office/powerpoint/2010/main" val="4072333264"/>
       </p:ext>
     </p:extLst>
   </p:cSld>
